--- a/test/pptx/speaker-notes-after-metadata/templated.pptx
+++ b/test/pptx/speaker-notes-after-metadata/templated.pptx
@@ -6212,8 +6212,6 @@
             <a:pPr lvl="0" indent="0" marL="0">
               <a:buNone/>
             </a:pPr>
-            <a:br/>
-            <a:br/>
             <a:r>
               <a:rPr/>
               <a:t>Jesse Rosenthal</a:t>
